--- a/Clase 9/[01]-Python.pptx
+++ b/Clase 9/[01]-Python.pptx
@@ -231,7 +231,7 @@
           <a:p>
             <a:fld id="{566F6048-FFCA-4969-85D9-E340D9DB6F60}" type="datetimeFigureOut">
               <a:rPr lang="es-PE" smtClean="0"/>
-              <a:t>1/05/2021</a:t>
+              <a:t>2/05/2021</a:t>
             </a:fld>
             <a:endParaRPr lang="es-PE"/>
           </a:p>
@@ -714,7 +714,7 @@
           <a:p>
             <a:fld id="{4550608F-D23C-4025-ACEC-07EDF1A1CF99}" type="datetimeFigureOut">
               <a:rPr lang="es-PE" smtClean="0"/>
-              <a:t>1/05/2021</a:t>
+              <a:t>2/05/2021</a:t>
             </a:fld>
             <a:endParaRPr lang="es-PE"/>
           </a:p>
@@ -884,7 +884,7 @@
           <a:p>
             <a:fld id="{4550608F-D23C-4025-ACEC-07EDF1A1CF99}" type="datetimeFigureOut">
               <a:rPr lang="es-PE" smtClean="0"/>
-              <a:t>1/05/2021</a:t>
+              <a:t>2/05/2021</a:t>
             </a:fld>
             <a:endParaRPr lang="es-PE"/>
           </a:p>
@@ -1064,7 +1064,7 @@
           <a:p>
             <a:fld id="{4550608F-D23C-4025-ACEC-07EDF1A1CF99}" type="datetimeFigureOut">
               <a:rPr lang="es-PE" smtClean="0"/>
-              <a:t>1/05/2021</a:t>
+              <a:t>2/05/2021</a:t>
             </a:fld>
             <a:endParaRPr lang="es-PE"/>
           </a:p>
@@ -1234,7 +1234,7 @@
           <a:p>
             <a:fld id="{4550608F-D23C-4025-ACEC-07EDF1A1CF99}" type="datetimeFigureOut">
               <a:rPr lang="es-PE" smtClean="0"/>
-              <a:t>1/05/2021</a:t>
+              <a:t>2/05/2021</a:t>
             </a:fld>
             <a:endParaRPr lang="es-PE"/>
           </a:p>
@@ -1480,7 +1480,7 @@
           <a:p>
             <a:fld id="{4550608F-D23C-4025-ACEC-07EDF1A1CF99}" type="datetimeFigureOut">
               <a:rPr lang="es-PE" smtClean="0"/>
-              <a:t>1/05/2021</a:t>
+              <a:t>2/05/2021</a:t>
             </a:fld>
             <a:endParaRPr lang="es-PE"/>
           </a:p>
@@ -1712,7 +1712,7 @@
           <a:p>
             <a:fld id="{4550608F-D23C-4025-ACEC-07EDF1A1CF99}" type="datetimeFigureOut">
               <a:rPr lang="es-PE" smtClean="0"/>
-              <a:t>1/05/2021</a:t>
+              <a:t>2/05/2021</a:t>
             </a:fld>
             <a:endParaRPr lang="es-PE"/>
           </a:p>
@@ -2079,7 +2079,7 @@
           <a:p>
             <a:fld id="{4550608F-D23C-4025-ACEC-07EDF1A1CF99}" type="datetimeFigureOut">
               <a:rPr lang="es-PE" smtClean="0"/>
-              <a:t>1/05/2021</a:t>
+              <a:t>2/05/2021</a:t>
             </a:fld>
             <a:endParaRPr lang="es-PE"/>
           </a:p>
@@ -2197,7 +2197,7 @@
           <a:p>
             <a:fld id="{4550608F-D23C-4025-ACEC-07EDF1A1CF99}" type="datetimeFigureOut">
               <a:rPr lang="es-PE" smtClean="0"/>
-              <a:t>1/05/2021</a:t>
+              <a:t>2/05/2021</a:t>
             </a:fld>
             <a:endParaRPr lang="es-PE"/>
           </a:p>
@@ -2292,7 +2292,7 @@
           <a:p>
             <a:fld id="{4550608F-D23C-4025-ACEC-07EDF1A1CF99}" type="datetimeFigureOut">
               <a:rPr lang="es-PE" smtClean="0"/>
-              <a:t>1/05/2021</a:t>
+              <a:t>2/05/2021</a:t>
             </a:fld>
             <a:endParaRPr lang="es-PE"/>
           </a:p>
@@ -2569,7 +2569,7 @@
           <a:p>
             <a:fld id="{4550608F-D23C-4025-ACEC-07EDF1A1CF99}" type="datetimeFigureOut">
               <a:rPr lang="es-PE" smtClean="0"/>
-              <a:t>1/05/2021</a:t>
+              <a:t>2/05/2021</a:t>
             </a:fld>
             <a:endParaRPr lang="es-PE"/>
           </a:p>
@@ -2826,7 +2826,7 @@
           <a:p>
             <a:fld id="{4550608F-D23C-4025-ACEC-07EDF1A1CF99}" type="datetimeFigureOut">
               <a:rPr lang="es-PE" smtClean="0"/>
-              <a:t>1/05/2021</a:t>
+              <a:t>2/05/2021</a:t>
             </a:fld>
             <a:endParaRPr lang="es-PE"/>
           </a:p>
@@ -3039,7 +3039,7 @@
           <a:p>
             <a:fld id="{4550608F-D23C-4025-ACEC-07EDF1A1CF99}" type="datetimeFigureOut">
               <a:rPr lang="es-PE" smtClean="0"/>
-              <a:t>1/05/2021</a:t>
+              <a:t>2/05/2021</a:t>
             </a:fld>
             <a:endParaRPr lang="es-PE"/>
           </a:p>
@@ -7257,6 +7257,36 @@
           </a:p>
         </p:txBody>
       </p:sp>
+      <p:pic>
+        <p:nvPicPr>
+          <p:cNvPr id="5" name="Imagen 4">
+            <a:extLst>
+              <a:ext uri="{FF2B5EF4-FFF2-40B4-BE49-F238E27FC236}">
+                <a16:creationId xmlns:a16="http://schemas.microsoft.com/office/drawing/2014/main" id="{F856DA0E-5FD7-4F72-B3C6-7625A68E30F3}"/>
+              </a:ext>
+            </a:extLst>
+          </p:cNvPr>
+          <p:cNvPicPr>
+            <a:picLocks noChangeAspect="1"/>
+          </p:cNvPicPr>
+          <p:nvPr/>
+        </p:nvPicPr>
+        <p:blipFill>
+          <a:blip r:embed="rId4"/>
+          <a:stretch>
+            <a:fillRect/>
+          </a:stretch>
+        </p:blipFill>
+        <p:spPr>
+          <a:xfrm>
+            <a:off x="7873418" y="4543806"/>
+            <a:ext cx="2971800" cy="1704975"/>
+          </a:xfrm>
+          <a:prstGeom prst="rect">
+            <a:avLst/>
+          </a:prstGeom>
+        </p:spPr>
+      </p:pic>
     </p:spTree>
     <p:extLst>
       <p:ext uri="{BB962C8B-B14F-4D97-AF65-F5344CB8AC3E}">
